--- a/PythonAutomtionSyllabus.pptx
+++ b/PythonAutomtionSyllabus.pptx
@@ -856,7 +856,7 @@
           <a:p>
             <a:fld id="{E0464B4D-4821-46D5-B035-82BD18310935}" type="datetimeFigureOut">
               <a:rPr lang="en-IN" smtClean="0"/>
-              <a:t>24-06-2024</a:t>
+              <a:t>18-09-2024</a:t>
             </a:fld>
             <a:endParaRPr lang="en-IN"/>
           </a:p>
@@ -1368,7 +1368,7 @@
           <a:p>
             <a:fld id="{3B42D935-84EE-49B0-9BAE-3407A5F4F01C}" type="datetime1">
               <a:rPr lang="en-US" smtClean="0"/>
-              <a:t>6/24/2024</a:t>
+              <a:t>9/18/2024</a:t>
             </a:fld>
             <a:endParaRPr lang="en-US" dirty="0"/>
           </a:p>
@@ -1556,7 +1556,7 @@
           <a:p>
             <a:fld id="{2F5A9E9E-7EAE-4AA4-906D-D2AD38D898F4}" type="datetime1">
               <a:rPr lang="en-US" smtClean="0"/>
-              <a:t>6/24/2024</a:t>
+              <a:t>9/18/2024</a:t>
             </a:fld>
             <a:endParaRPr lang="en-US" dirty="0"/>
           </a:p>
@@ -1929,7 +1929,7 @@
           <a:p>
             <a:fld id="{B4B71C4B-90F3-4FFF-85ED-33ECF8C013CC}" type="datetime1">
               <a:rPr lang="en-US" smtClean="0"/>
-              <a:t>6/24/2024</a:t>
+              <a:t>9/18/2024</a:t>
             </a:fld>
             <a:endParaRPr lang="en-US" dirty="0"/>
           </a:p>
@@ -2184,7 +2184,7 @@
           <a:p>
             <a:fld id="{106C966B-053F-424E-89DD-0E1AC9DC7CCE}" type="datetime1">
               <a:rPr lang="en-US" smtClean="0"/>
-              <a:t>6/24/2024</a:t>
+              <a:t>9/18/2024</a:t>
             </a:fld>
             <a:endParaRPr lang="en-US" dirty="0"/>
           </a:p>
@@ -2581,7 +2581,7 @@
           <a:p>
             <a:fld id="{48B078E3-F0AC-4A9C-A2BA-D1FDDF27ABC5}" type="datetime1">
               <a:rPr lang="en-US" smtClean="0"/>
-              <a:t>6/24/2024</a:t>
+              <a:t>9/18/2024</a:t>
             </a:fld>
             <a:endParaRPr lang="en-US" dirty="0"/>
           </a:p>
@@ -2717,7 +2717,7 @@
           <a:p>
             <a:fld id="{24092D70-1B58-4386-9F54-9D8D22DA64C8}" type="datetime1">
               <a:rPr lang="en-US" smtClean="0"/>
-              <a:t>6/24/2024</a:t>
+              <a:t>9/18/2024</a:t>
             </a:fld>
             <a:endParaRPr lang="en-US" dirty="0"/>
           </a:p>
@@ -2874,7 +2874,7 @@
           <a:p>
             <a:fld id="{5C60C20E-0890-4B37-A78A-7FDD64F33821}" type="datetime1">
               <a:rPr lang="en-US" smtClean="0"/>
-              <a:t>6/24/2024</a:t>
+              <a:t>9/18/2024</a:t>
             </a:fld>
             <a:endParaRPr lang="en-US" dirty="0"/>
           </a:p>
@@ -3203,7 +3203,7 @@
           <a:p>
             <a:fld id="{C04CD6B5-0E54-415B-87CC-AE672038D996}" type="datetime1">
               <a:rPr lang="en-US" smtClean="0"/>
-              <a:t>6/24/2024</a:t>
+              <a:t>9/18/2024</a:t>
             </a:fld>
             <a:endParaRPr lang="en-US" dirty="0"/>
           </a:p>
@@ -3553,7 +3553,7 @@
           <a:p>
             <a:fld id="{59309128-7DCA-48C2-B4BA-79F8BE2CEB20}" type="datetime1">
               <a:rPr lang="en-US" smtClean="0"/>
-              <a:t>6/24/2024</a:t>
+              <a:t>9/18/2024</a:t>
             </a:fld>
             <a:endParaRPr lang="en-US" dirty="0"/>
           </a:p>
@@ -3814,7 +3814,7 @@
           <a:p>
             <a:fld id="{59B4555D-7621-44C1-A380-622123037213}" type="datetime1">
               <a:rPr lang="en-US" smtClean="0"/>
-              <a:t>6/24/2024</a:t>
+              <a:t>9/18/2024</a:t>
             </a:fld>
             <a:endParaRPr lang="en-US" dirty="0"/>
           </a:p>
@@ -4728,13 +4728,13 @@
           </a:p>
           <a:p>
             <a:r>
-              <a:rPr lang="en-US" sz="3200" dirty="0">
+              <a:rPr lang="en-US" sz="3200">
                 <a:solidFill>
                   <a:srgbClr val="92D050"/>
                 </a:solidFill>
                 <a:latin typeface="Algerian" panose="04020705040A02060702" pitchFamily="82" charset="0"/>
               </a:rPr>
-              <a:t>SYLLABUS</a:t>
+              <a:t>SYLLABUS-1</a:t>
             </a:r>
             <a:endParaRPr lang="en-IN" sz="3200" dirty="0">
               <a:solidFill>
@@ -4965,7 +4965,7 @@
           <a:p>
             <a:fld id="{E2745F1F-0C2D-4EE5-B1B0-00E6F6C989FA}" type="datetime1">
               <a:rPr lang="en-US" smtClean="0"/>
-              <a:t>6/24/2024</a:t>
+              <a:t>9/18/2024</a:t>
             </a:fld>
             <a:endParaRPr lang="en-US" dirty="0"/>
           </a:p>
@@ -22954,6 +22954,15 @@
 </file>
 
 <file path=customXml/item1.xml><?xml version="1.0" encoding="utf-8"?>
+<?mso-contentType ?>
+<FormTemplates xmlns="http://schemas.microsoft.com/sharepoint/v3/contenttype/forms">
+  <Display>DocumentLibraryForm</Display>
+  <Edit>DocumentLibraryForm</Edit>
+  <New>DocumentLibraryForm</New>
+</FormTemplates>
+</file>
+
+<file path=customXml/item2.xml><?xml version="1.0" encoding="utf-8"?>
 <ct:contentTypeSchema xmlns:ct="http://schemas.microsoft.com/office/2006/metadata/contentType" xmlns:ma="http://schemas.microsoft.com/office/2006/metadata/properties/metaAttributes" ct:_="" ma:_="" ma:contentTypeName="Document" ma:contentTypeID="0x01010079F111ED35F8CC479449609E8A0923A6" ma:contentTypeVersion="27" ma:contentTypeDescription="Create a new document." ma:contentTypeScope="" ma:versionID="c6f9a84f66a9c8b9a21755b9ffafb945">
   <xsd:schema xmlns:xsd="http://www.w3.org/2001/XMLSchema" xmlns:xs="http://www.w3.org/2001/XMLSchema" xmlns:p="http://schemas.microsoft.com/office/2006/metadata/properties" xmlns:ns1="http://schemas.microsoft.com/sharepoint/v3" xmlns:ns2="71af3243-3dd4-4a8d-8c0d-dd76da1f02a5" xmlns:ns3="16c05727-aa75-4e4a-9b5f-8a80a1165891" xmlns:ns4="230e9df3-be65-4c73-a93b-d1236ebd677e" targetNamespace="http://schemas.microsoft.com/office/2006/metadata/properties" ma:root="true" ma:fieldsID="27df39e3e7036dff54f89ddd5805ce72" ns1:_="" ns2:_="" ns3:_="" ns4:_="">
     <xsd:import namespace="http://schemas.microsoft.com/sharepoint/v3"/>
@@ -23259,15 +23268,6 @@
 </ct:contentTypeSchema>
 </file>
 
-<file path=customXml/item2.xml><?xml version="1.0" encoding="utf-8"?>
-<?mso-contentType ?>
-<FormTemplates xmlns="http://schemas.microsoft.com/sharepoint/v3/contenttype/forms">
-  <Display>DocumentLibraryForm</Display>
-  <Edit>DocumentLibraryForm</Edit>
-  <New>DocumentLibraryForm</New>
-</FormTemplates>
-</file>
-
 <file path=customXml/item3.xml><?xml version="1.0" encoding="utf-8"?>
 <p:properties xmlns:p="http://schemas.microsoft.com/office/2006/metadata/properties" xmlns:xsi="http://www.w3.org/2001/XMLSchema-instance" xmlns:pc="http://schemas.microsoft.com/office/infopath/2007/PartnerControls">
   <documentManagement>
@@ -23289,6 +23289,14 @@
 </file>
 
 <file path=customXml/itemProps1.xml><?xml version="1.0" encoding="utf-8"?>
+<ds:datastoreItem xmlns:ds="http://schemas.openxmlformats.org/officeDocument/2006/customXml" ds:itemID="{AA3F7EDC-E5B4-4BBC-9D2A-CBE6D46C37AD}">
+  <ds:schemaRefs>
+    <ds:schemaRef ds:uri="http://schemas.microsoft.com/sharepoint/v3/contenttype/forms"/>
+  </ds:schemaRefs>
+</ds:datastoreItem>
+</file>
+
+<file path=customXml/itemProps2.xml><?xml version="1.0" encoding="utf-8"?>
 <ds:datastoreItem xmlns:ds="http://schemas.openxmlformats.org/officeDocument/2006/customXml" ds:itemID="{D2957789-34B8-480C-AF9B-3EB54B9E5C96}">
   <ds:schemaRefs>
     <ds:schemaRef ds:uri="http://schemas.microsoft.com/office/2006/metadata/contentType"/>
@@ -23309,14 +23317,6 @@
 </ds:datastoreItem>
 </file>
 
-<file path=customXml/itemProps2.xml><?xml version="1.0" encoding="utf-8"?>
-<ds:datastoreItem xmlns:ds="http://schemas.openxmlformats.org/officeDocument/2006/customXml" ds:itemID="{AA3F7EDC-E5B4-4BBC-9D2A-CBE6D46C37AD}">
-  <ds:schemaRefs>
-    <ds:schemaRef ds:uri="http://schemas.microsoft.com/sharepoint/v3/contenttype/forms"/>
-  </ds:schemaRefs>
-</ds:datastoreItem>
-</file>
-
 <file path=customXml/itemProps3.xml><?xml version="1.0" encoding="utf-8"?>
 <ds:datastoreItem xmlns:ds="http://schemas.openxmlformats.org/officeDocument/2006/customXml" ds:itemID="{A03EEFF0-FB57-4CB4-8BFC-DF397689E2ED}">
   <ds:schemaRefs>
